--- a/presentation.pptx
+++ b/presentation.pptx
@@ -259,7 +259,7 @@
             <a:fld id="{C9B6F397-9295-4C9F-B4B0-31BF9D08FE68}" type="datetimeFigureOut">
               <a:rPr lang="he-IL" smtClean="0"/>
               <a:pPr/>
-              <a:t>י"ט/אב/תשע"ט</a:t>
+              <a:t>י"ח/אלול/תשע"ט</a:t>
             </a:fld>
             <a:endParaRPr lang="he-IL"/>
           </a:p>
@@ -426,7 +426,7 @@
             <a:fld id="{543B7BDA-9DDC-4E4C-973D-E4A3E66645CD}" type="datetimeFigureOut">
               <a:rPr lang="he-IL" smtClean="0"/>
               <a:pPr/>
-              <a:t>י"ט/אב/תשע"ט</a:t>
+              <a:t>י"ח/אלול/תשע"ט</a:t>
             </a:fld>
             <a:endParaRPr lang="he-IL"/>
           </a:p>
@@ -1729,7 +1729,7 @@
           <a:p>
             <a:fld id="{F9A56542-D9EF-48CC-BC80-FC1900A669A7}" type="datetime1">
               <a:rPr lang="en-US" smtClean="0"/>
-              <a:t>8/20/2019</a:t>
+              <a:t>9/18/2019</a:t>
             </a:fld>
             <a:endParaRPr lang="he-IL"/>
           </a:p>
@@ -1900,7 +1900,7 @@
           <a:p>
             <a:fld id="{2E7EFEE3-D9E9-4AB3-8B20-D4EE39595C09}" type="datetime1">
               <a:rPr lang="en-US" smtClean="0"/>
-              <a:t>8/20/2019</a:t>
+              <a:t>9/18/2019</a:t>
             </a:fld>
             <a:endParaRPr lang="he-IL"/>
           </a:p>
@@ -2147,7 +2147,7 @@
           <a:p>
             <a:fld id="{6CA2761F-557A-4807-80CD-0BD2CB8DEBF4}" type="datetime1">
               <a:rPr lang="en-US" smtClean="0"/>
-              <a:t>8/20/2019</a:t>
+              <a:t>9/18/2019</a:t>
             </a:fld>
             <a:endParaRPr lang="he-IL"/>
           </a:p>
@@ -2436,7 +2436,7 @@
           <a:p>
             <a:fld id="{A072B448-3344-458D-B2D5-1F6C9A624F64}" type="datetime1">
               <a:rPr lang="en-US" smtClean="0"/>
-              <a:t>8/20/2019</a:t>
+              <a:t>9/18/2019</a:t>
             </a:fld>
             <a:endParaRPr lang="he-IL"/>
           </a:p>
@@ -2859,7 +2859,7 @@
           <a:p>
             <a:fld id="{9C77E48E-29E1-4C50-A1E6-811F23A97FB3}" type="datetime1">
               <a:rPr lang="en-US" smtClean="0"/>
-              <a:t>8/20/2019</a:t>
+              <a:t>9/18/2019</a:t>
             </a:fld>
             <a:endParaRPr lang="he-IL"/>
           </a:p>
@@ -2978,7 +2978,7 @@
           <a:p>
             <a:fld id="{7D165C0F-2B2B-41CD-8013-10786DEC1461}" type="datetime1">
               <a:rPr lang="en-US" smtClean="0"/>
-              <a:t>8/20/2019</a:t>
+              <a:t>9/18/2019</a:t>
             </a:fld>
             <a:endParaRPr lang="he-IL"/>
           </a:p>
@@ -3074,7 +3074,7 @@
           <a:p>
             <a:fld id="{79BDA382-9CD8-4548-8F8F-7A5CC1B3B114}" type="datetime1">
               <a:rPr lang="en-US" smtClean="0"/>
-              <a:t>8/20/2019</a:t>
+              <a:t>9/18/2019</a:t>
             </a:fld>
             <a:endParaRPr lang="he-IL"/>
           </a:p>
@@ -3352,7 +3352,7 @@
           <a:p>
             <a:fld id="{B76F121F-C50D-4985-8744-3D2413CEF662}" type="datetime1">
               <a:rPr lang="en-US" smtClean="0"/>
-              <a:t>8/20/2019</a:t>
+              <a:t>9/18/2019</a:t>
             </a:fld>
             <a:endParaRPr lang="he-IL"/>
           </a:p>
@@ -3606,7 +3606,7 @@
           <a:p>
             <a:fld id="{5264038E-4474-40A7-9EC7-E1F16D952348}" type="datetime1">
               <a:rPr lang="en-US" smtClean="0"/>
-              <a:t>8/20/2019</a:t>
+              <a:t>9/18/2019</a:t>
             </a:fld>
             <a:endParaRPr lang="he-IL"/>
           </a:p>
@@ -3777,7 +3777,7 @@
           <a:p>
             <a:fld id="{E2691E7F-4345-49D1-959B-456DEDBD8939}" type="datetime1">
               <a:rPr lang="en-US" smtClean="0"/>
-              <a:t>8/20/2019</a:t>
+              <a:t>9/18/2019</a:t>
             </a:fld>
             <a:endParaRPr lang="he-IL"/>
           </a:p>
@@ -3973,7 +3973,7 @@
           <a:p>
             <a:fld id="{D7E1C0B7-AB0D-4AF9-9C80-529313F012B2}" type="datetime1">
               <a:rPr lang="en-US" smtClean="0"/>
-              <a:t>8/20/2019</a:t>
+              <a:t>9/18/2019</a:t>
             </a:fld>
             <a:endParaRPr lang="en-US"/>
           </a:p>
@@ -4154,7 +4154,7 @@
           <a:p>
             <a:fld id="{F3C6C417-AECC-4DE4-923C-9598FC7789CF}" type="datetime1">
               <a:rPr lang="en-US" smtClean="0"/>
-              <a:t>8/20/2019</a:t>
+              <a:t>9/18/2019</a:t>
             </a:fld>
             <a:endParaRPr lang="he-IL"/>
           </a:p>
@@ -4401,7 +4401,7 @@
           <a:p>
             <a:fld id="{18F785EA-53FD-4C02-B228-D6173C771455}" type="datetime1">
               <a:rPr lang="en-US" smtClean="0"/>
-              <a:t>8/20/2019</a:t>
+              <a:t>9/18/2019</a:t>
             </a:fld>
             <a:endParaRPr lang="en-US"/>
           </a:p>
@@ -4690,7 +4690,7 @@
           <a:p>
             <a:fld id="{281CC226-1649-43B1-904E-445575F6D843}" type="datetime1">
               <a:rPr lang="en-US" smtClean="0"/>
-              <a:t>8/20/2019</a:t>
+              <a:t>9/18/2019</a:t>
             </a:fld>
             <a:endParaRPr lang="en-US"/>
           </a:p>
@@ -5113,7 +5113,7 @@
           <a:p>
             <a:fld id="{187DB346-1C98-4D7A-A038-42C7D81BCC74}" type="datetime1">
               <a:rPr lang="en-US" smtClean="0"/>
-              <a:t>8/20/2019</a:t>
+              <a:t>9/18/2019</a:t>
             </a:fld>
             <a:endParaRPr lang="en-US"/>
           </a:p>
@@ -5391,7 +5391,7 @@
           <a:p>
             <a:fld id="{108957FA-2192-4D30-85F4-50FCBB8906EA}" type="datetime1">
               <a:rPr lang="en-US" smtClean="0"/>
-              <a:t>8/20/2019</a:t>
+              <a:t>9/18/2019</a:t>
             </a:fld>
             <a:endParaRPr lang="en-US"/>
           </a:p>
@@ -5645,7 +5645,7 @@
           <a:p>
             <a:fld id="{1D69A04D-59DB-4F0E-946B-E60EE2804D19}" type="datetime1">
               <a:rPr lang="en-US" smtClean="0"/>
-              <a:t>8/20/2019</a:t>
+              <a:t>9/18/2019</a:t>
             </a:fld>
             <a:endParaRPr lang="en-US"/>
           </a:p>
@@ -5816,7 +5816,7 @@
           <a:p>
             <a:fld id="{D3E95BB7-0D1F-422E-A439-E3D10FFFF50C}" type="datetime1">
               <a:rPr lang="en-US" smtClean="0"/>
-              <a:t>8/20/2019</a:t>
+              <a:t>9/18/2019</a:t>
             </a:fld>
             <a:endParaRPr lang="en-US"/>
           </a:p>
@@ -5997,7 +5997,7 @@
           <a:p>
             <a:fld id="{F9AE77E2-D56A-4D13-B852-5E12B4B66FD9}" type="datetime1">
               <a:rPr lang="en-US" smtClean="0"/>
-              <a:t>8/20/2019</a:t>
+              <a:t>9/18/2019</a:t>
             </a:fld>
             <a:endParaRPr lang="en-US"/>
           </a:p>
@@ -6211,7 +6211,7 @@
           <a:p>
             <a:fld id="{2A982F35-29BF-4127-A4F3-CE8B20D358F7}" type="datetime1">
               <a:rPr lang="en-US" smtClean="0"/>
-              <a:t>8/20/2019</a:t>
+              <a:t>9/18/2019</a:t>
             </a:fld>
             <a:endParaRPr lang="en-US"/>
           </a:p>
@@ -6721,7 +6721,7 @@
           <a:p>
             <a:fld id="{E11CCEF1-EE7E-44FC-9507-6A3208406B1E}" type="datetime1">
               <a:rPr lang="en-US" smtClean="0"/>
-              <a:t>8/20/2019</a:t>
+              <a:t>9/18/2019</a:t>
             </a:fld>
             <a:endParaRPr lang="he-IL"/>
           </a:p>
@@ -7157,6 +7157,14 @@
                 </a:solidFill>
               </a:rPr>
             </a:br>
+            <a:r>
+              <a:rPr lang="en-US" sz="2400">
+                <a:solidFill>
+                  <a:srgbClr val="002060"/>
+                </a:solidFill>
+              </a:rPr>
+              <a:t/>
+            </a:r>
             <a:br>
               <a:rPr lang="en-US" sz="2400">
                 <a:solidFill>
@@ -8634,10 +8642,10 @@
           <a:lstStyle/>
           <a:p>
             <a:r>
-              <a:rPr lang="en-US" dirty="0"/>
+              <a:rPr lang="en-US" b="1" u="sng" dirty="0"/>
               <a:t>Classification</a:t>
             </a:r>
-            <a:endParaRPr lang="en-IL" dirty="0"/>
+            <a:endParaRPr lang="en-IL" b="1" u="sng" dirty="0"/>
           </a:p>
         </p:txBody>
       </p:sp>
@@ -8664,7 +8672,15 @@
           <a:p>
             <a:r>
               <a:rPr lang="en-US" dirty="0"/>
-              <a:t>We have 2 types of certifies cones: Blue and Yellow.</a:t>
+              <a:t>We have 2 types of </a:t>
+            </a:r>
+            <a:r>
+              <a:rPr lang="en-US" dirty="0" smtClean="0"/>
+              <a:t>certified </a:t>
+            </a:r>
+            <a:r>
+              <a:rPr lang="en-US" dirty="0"/>
+              <a:t>cones: Blue and Yellow.</a:t>
             </a:r>
           </a:p>
           <a:p>
@@ -9421,7 +9437,7 @@
                 <a16:creationId xmlns:a16="http://schemas.microsoft.com/office/drawing/2014/main" id="{3CD9DF72-87A3-404E-A828-84CBF11A8303}"/>
               </a:ext>
               <a:ext uri="{C183D7F6-B498-43B3-948B-1728B52AA6E4}">
-                <adec:decorative xmlns:adec="http://schemas.microsoft.com/office/drawing/2017/decorative" val="1"/>
+                <adec:decorative xmlns:adec="http://schemas.microsoft.com/office/drawing/2017/decorative" xmlns="" val="1"/>
               </a:ext>
             </a:extLst>
           </p:cNvPr>
@@ -9606,7 +9622,7 @@
                 <a16:creationId xmlns:a16="http://schemas.microsoft.com/office/drawing/2014/main" id="{20E3A342-4D61-4E3F-AF90-1AB42AEB96CC}"/>
               </a:ext>
               <a:ext uri="{C183D7F6-B498-43B3-948B-1728B52AA6E4}">
-                <adec:decorative xmlns:adec="http://schemas.microsoft.com/office/drawing/2017/decorative" val="1"/>
+                <adec:decorative xmlns:adec="http://schemas.microsoft.com/office/drawing/2017/decorative" xmlns="" val="1"/>
               </a:ext>
             </a:extLst>
           </p:cNvPr>
@@ -9742,10 +9758,10 @@
           <a:lstStyle/>
           <a:p>
             <a:r>
-              <a:rPr lang="en-US" dirty="0"/>
+              <a:rPr lang="en-US" b="1" u="sng" dirty="0"/>
               <a:t>Clustering</a:t>
             </a:r>
-            <a:endParaRPr lang="en-IL" dirty="0"/>
+            <a:endParaRPr lang="en-IL" b="1" u="sng" dirty="0"/>
           </a:p>
         </p:txBody>
       </p:sp>
@@ -10013,8 +10029,8 @@
           </a:p>
         </p:txBody>
       </p:sp>
-      <mc:AlternateContent xmlns:mc="http://schemas.openxmlformats.org/markup-compatibility/2006" xmlns:a14="http://schemas.microsoft.com/office/drawing/2010/main">
-        <mc:Choice Requires="a14">
+      <mc:AlternateContent xmlns:mc="http://schemas.openxmlformats.org/markup-compatibility/2006">
+        <mc:Choice xmlns:a14="http://schemas.microsoft.com/office/drawing/2010/main" Requires="a14">
           <p:sp>
             <p:nvSpPr>
               <p:cNvPr id="3" name="Content Placeholder 2">
@@ -10072,7 +10088,15 @@
                 <a:pPr lvl="1"/>
                 <a:r>
                   <a:rPr lang="en-US" sz="2000" dirty="0"/>
-                  <a:t>Core point (A): has at least p points (including C) within distance </a:t>
+                  <a:t>Core point (A): has at least p points (including </a:t>
+                </a:r>
+                <a:r>
+                  <a:rPr lang="en-US" sz="2000" dirty="0" smtClean="0"/>
+                  <a:t>A) </a:t>
+                </a:r>
+                <a:r>
+                  <a:rPr lang="en-US" sz="2000" dirty="0"/>
+                  <a:t>within distance </a:t>
                 </a:r>
                 <a14:m>
                   <m:oMath xmlns:m="http://schemas.openxmlformats.org/officeDocument/2006/math">
@@ -10136,7 +10160,7 @@
             </p:txBody>
           </p:sp>
         </mc:Choice>
-        <mc:Fallback xmlns="">
+        <mc:Fallback>
           <p:sp>
             <p:nvSpPr>
               <p:cNvPr id="3" name="Content Placeholder 2">
@@ -10170,7 +10194,7 @@
               <a:lstStyle/>
               <a:p>
                 <a:r>
-                  <a:rPr lang="en-IL">
+                  <a:rPr lang="en-US">
                     <a:noFill/>
                   </a:rPr>
                   <a:t> </a:t>
@@ -10331,7 +10355,7 @@
                 <a16:creationId xmlns:a16="http://schemas.microsoft.com/office/drawing/2014/main" id="{3CD9DF72-87A3-404E-A828-84CBF11A8303}"/>
               </a:ext>
               <a:ext uri="{C183D7F6-B498-43B3-948B-1728B52AA6E4}">
-                <adec:decorative xmlns:adec="http://schemas.microsoft.com/office/drawing/2017/decorative" val="1"/>
+                <adec:decorative xmlns:adec="http://schemas.microsoft.com/office/drawing/2017/decorative" xmlns="" val="1"/>
               </a:ext>
             </a:extLst>
           </p:cNvPr>
@@ -10509,7 +10533,7 @@
                 <a16:creationId xmlns:a16="http://schemas.microsoft.com/office/drawing/2014/main" id="{20E3A342-4D61-4E3F-AF90-1AB42AEB96CC}"/>
               </a:ext>
               <a:ext uri="{C183D7F6-B498-43B3-948B-1728B52AA6E4}">
-                <adec:decorative xmlns:adec="http://schemas.microsoft.com/office/drawing/2017/decorative" val="1"/>
+                <adec:decorative xmlns:adec="http://schemas.microsoft.com/office/drawing/2017/decorative" xmlns="" val="1"/>
               </a:ext>
             </a:extLst>
           </p:cNvPr>
@@ -10645,10 +10669,10 @@
           <a:lstStyle/>
           <a:p>
             <a:r>
-              <a:rPr lang="en-US" dirty="0"/>
+              <a:rPr lang="en-US" b="1" u="sng" dirty="0"/>
               <a:t>Communication</a:t>
             </a:r>
-            <a:endParaRPr lang="en-IL" dirty="0"/>
+            <a:endParaRPr lang="en-IL" b="1" u="sng" dirty="0"/>
           </a:p>
         </p:txBody>
       </p:sp>
@@ -11002,7 +11026,7 @@
                 <a16:creationId xmlns:a16="http://schemas.microsoft.com/office/drawing/2014/main" id="{3CD9DF72-87A3-404E-A828-84CBF11A8303}"/>
               </a:ext>
               <a:ext uri="{C183D7F6-B498-43B3-948B-1728B52AA6E4}">
-                <adec:decorative xmlns:adec="http://schemas.microsoft.com/office/drawing/2017/decorative" val="1"/>
+                <adec:decorative xmlns:adec="http://schemas.microsoft.com/office/drawing/2017/decorative" xmlns="" val="1"/>
               </a:ext>
             </a:extLst>
           </p:cNvPr>
@@ -11256,7 +11280,7 @@
                 <a16:creationId xmlns:a16="http://schemas.microsoft.com/office/drawing/2014/main" id="{20E3A342-4D61-4E3F-AF90-1AB42AEB96CC}"/>
               </a:ext>
               <a:ext uri="{C183D7F6-B498-43B3-948B-1728B52AA6E4}">
-                <adec:decorative xmlns:adec="http://schemas.microsoft.com/office/drawing/2017/decorative" val="1"/>
+                <adec:decorative xmlns:adec="http://schemas.microsoft.com/office/drawing/2017/decorative" xmlns="" val="1"/>
               </a:ext>
             </a:extLst>
           </p:cNvPr>
@@ -11589,7 +11613,7 @@
                 <a16:creationId xmlns:a16="http://schemas.microsoft.com/office/drawing/2014/main" id="{37C89E4B-3C9F-44B9-8B86-D9E3D112D8EC}"/>
               </a:ext>
               <a:ext uri="{C183D7F6-B498-43B3-948B-1728B52AA6E4}">
-                <adec:decorative xmlns:adec="http://schemas.microsoft.com/office/drawing/2017/decorative" val="1"/>
+                <adec:decorative xmlns:adec="http://schemas.microsoft.com/office/drawing/2017/decorative" xmlns="" val="1"/>
               </a:ext>
             </a:extLst>
           </p:cNvPr>
@@ -11695,7 +11719,7 @@
                 <a16:creationId xmlns:a16="http://schemas.microsoft.com/office/drawing/2014/main" id="{AA2EAA10-076F-46BD-8F0F-B9A2FB77A85C}"/>
               </a:ext>
               <a:ext uri="{C183D7F6-B498-43B3-948B-1728B52AA6E4}">
-                <adec:decorative xmlns:adec="http://schemas.microsoft.com/office/drawing/2017/decorative" val="1"/>
+                <adec:decorative xmlns:adec="http://schemas.microsoft.com/office/drawing/2017/decorative" xmlns="" val="1"/>
               </a:ext>
             </a:extLst>
           </p:cNvPr>
@@ -11749,7 +11773,7 @@
                 <a16:creationId xmlns:a16="http://schemas.microsoft.com/office/drawing/2014/main" id="{D891E407-403B-4764-86C9-33A56D3BCAA3}"/>
               </a:ext>
               <a:ext uri="{C183D7F6-B498-43B3-948B-1728B52AA6E4}">
-                <adec:decorative xmlns:adec="http://schemas.microsoft.com/office/drawing/2017/decorative" val="1"/>
+                <adec:decorative xmlns:adec="http://schemas.microsoft.com/office/drawing/2017/decorative" xmlns="" val="1"/>
               </a:ext>
             </a:extLst>
           </p:cNvPr>
@@ -12220,7 +12244,23 @@
                   <a:srgbClr val="002060"/>
                 </a:solidFill>
               </a:rPr>
-              <a:t>Implemented but not tested, needs better computer than Jetson TX2.</a:t>
+              <a:t>Implemented but not </a:t>
+            </a:r>
+            <a:r>
+              <a:rPr lang="en-US" dirty="0" smtClean="0">
+                <a:solidFill>
+                  <a:srgbClr val="002060"/>
+                </a:solidFill>
+              </a:rPr>
+              <a:t>tested on the formula, </a:t>
+            </a:r>
+            <a:r>
+              <a:rPr lang="en-US" dirty="0">
+                <a:solidFill>
+                  <a:srgbClr val="002060"/>
+                </a:solidFill>
+              </a:rPr>
+              <a:t>needs better computer than Jetson TX2.</a:t>
             </a:r>
             <a:endParaRPr lang="he-IL" dirty="0">
               <a:solidFill>
@@ -12746,7 +12786,17 @@
           <a:p>
             <a:r>
               <a:rPr lang="en-US" dirty="0"/>
-              <a:t>https://github.com/tomnorman/cone_slam</a:t>
+              <a:t>https://</a:t>
+            </a:r>
+            <a:r>
+              <a:rPr lang="en-US" dirty="0" smtClean="0"/>
+              <a:t>github.com/tomnorman/cone_slam</a:t>
+            </a:r>
+          </a:p>
+          <a:p>
+            <a:r>
+              <a:rPr lang="en-US"/>
+              <a:t>https://github.com/AlexeyAB/darknet</a:t>
             </a:r>
             <a:endParaRPr lang="en-IL" dirty="0"/>
           </a:p>
@@ -12974,7 +13024,7 @@
                 <a16:creationId xmlns:a16="http://schemas.microsoft.com/office/drawing/2014/main" id="{A4AC5506-6312-4701-8D3C-40187889A947}"/>
               </a:ext>
               <a:ext uri="{C183D7F6-B498-43B3-948B-1728B52AA6E4}">
-                <adec:decorative xmlns:adec="http://schemas.microsoft.com/office/drawing/2017/decorative" val="1"/>
+                <adec:decorative xmlns:adec="http://schemas.microsoft.com/office/drawing/2017/decorative" xmlns="" val="1"/>
               </a:ext>
             </a:extLst>
           </p:cNvPr>
@@ -13395,7 +13445,7 @@
                 <a16:creationId xmlns:a16="http://schemas.microsoft.com/office/drawing/2014/main" id="{3CD9DF72-87A3-404E-A828-84CBF11A8303}"/>
               </a:ext>
               <a:ext uri="{C183D7F6-B498-43B3-948B-1728B52AA6E4}">
-                <adec:decorative xmlns:adec="http://schemas.microsoft.com/office/drawing/2017/decorative" val="1"/>
+                <adec:decorative xmlns:adec="http://schemas.microsoft.com/office/drawing/2017/decorative" xmlns="" val="1"/>
               </a:ext>
             </a:extLst>
           </p:cNvPr>
@@ -13574,7 +13624,7 @@
                 <a16:creationId xmlns:a16="http://schemas.microsoft.com/office/drawing/2014/main" id="{20E3A342-4D61-4E3F-AF90-1AB42AEB96CC}"/>
               </a:ext>
               <a:ext uri="{C183D7F6-B498-43B3-948B-1728B52AA6E4}">
-                <adec:decorative xmlns:adec="http://schemas.microsoft.com/office/drawing/2017/decorative" val="1"/>
+                <adec:decorative xmlns:adec="http://schemas.microsoft.com/office/drawing/2017/decorative" xmlns="" val="1"/>
               </a:ext>
             </a:extLst>
           </p:cNvPr>
@@ -13740,7 +13790,7 @@
                 <a16:creationId xmlns:a16="http://schemas.microsoft.com/office/drawing/2014/main" id="{3CD9DF72-87A3-404E-A828-84CBF11A8303}"/>
               </a:ext>
               <a:ext uri="{C183D7F6-B498-43B3-948B-1728B52AA6E4}">
-                <adec:decorative xmlns:adec="http://schemas.microsoft.com/office/drawing/2017/decorative" val="1"/>
+                <adec:decorative xmlns:adec="http://schemas.microsoft.com/office/drawing/2017/decorative" xmlns="" val="1"/>
               </a:ext>
             </a:extLst>
           </p:cNvPr>
@@ -13925,7 +13975,7 @@
                 <a16:creationId xmlns:a16="http://schemas.microsoft.com/office/drawing/2014/main" id="{20E3A342-4D61-4E3F-AF90-1AB42AEB96CC}"/>
               </a:ext>
               <a:ext uri="{C183D7F6-B498-43B3-948B-1728B52AA6E4}">
-                <adec:decorative xmlns:adec="http://schemas.microsoft.com/office/drawing/2017/decorative" val="1"/>
+                <adec:decorative xmlns:adec="http://schemas.microsoft.com/office/drawing/2017/decorative" xmlns="" val="1"/>
               </a:ext>
             </a:extLst>
           </p:cNvPr>
@@ -14074,8 +14124,12 @@
           <a:lstStyle/>
           <a:p>
             <a:r>
+              <a:rPr lang="en-US" b="1" u="sng" dirty="0"/>
+              <a:t>SLAM</a:t>
+            </a:r>
+            <a:r>
               <a:rPr lang="en-US" dirty="0"/>
-              <a:t>SLAM- Simultaneous Localization And Mapping</a:t>
+              <a:t>- Simultaneous Localization And Mapping</a:t>
             </a:r>
             <a:endParaRPr lang="en-IL" dirty="0"/>
           </a:p>
